--- a/document/냉장고를 지켜줘 - 설계도 완성 최종.pptx
+++ b/document/냉장고를 지켜줘 - 설계도 완성 최종.pptx
@@ -218,7 +218,7 @@
           <a:p>
             <a:fld id="{D6325AFB-0FBC-4F05-BBB8-413515365240}" type="datetimeFigureOut">
               <a:rPr lang="ko-KR" altLang="en-US" smtClean="0"/>
-              <a:t>2020-04-03</a:t>
+              <a:t>2020-04-08</a:t>
             </a:fld>
             <a:endParaRPr lang="ko-KR" altLang="en-US"/>
           </a:p>
@@ -1976,7 +1976,7 @@
           <a:p>
             <a:fld id="{4980B581-256F-468E-AE28-AA7509665FD7}" type="datetimeFigureOut">
               <a:rPr lang="ko-KR" altLang="en-US" smtClean="0"/>
-              <a:t>2020-04-03</a:t>
+              <a:t>2020-04-08</a:t>
             </a:fld>
             <a:endParaRPr lang="ko-KR" altLang="en-US"/>
           </a:p>
@@ -2174,7 +2174,7 @@
           <a:p>
             <a:fld id="{4980B581-256F-468E-AE28-AA7509665FD7}" type="datetimeFigureOut">
               <a:rPr lang="ko-KR" altLang="en-US" smtClean="0"/>
-              <a:t>2020-04-03</a:t>
+              <a:t>2020-04-08</a:t>
             </a:fld>
             <a:endParaRPr lang="ko-KR" altLang="en-US"/>
           </a:p>
@@ -2382,7 +2382,7 @@
           <a:p>
             <a:fld id="{4980B581-256F-468E-AE28-AA7509665FD7}" type="datetimeFigureOut">
               <a:rPr lang="ko-KR" altLang="en-US" smtClean="0"/>
-              <a:t>2020-04-03</a:t>
+              <a:t>2020-04-08</a:t>
             </a:fld>
             <a:endParaRPr lang="ko-KR" altLang="en-US"/>
           </a:p>
@@ -2580,7 +2580,7 @@
           <a:p>
             <a:fld id="{4980B581-256F-468E-AE28-AA7509665FD7}" type="datetimeFigureOut">
               <a:rPr lang="ko-KR" altLang="en-US" smtClean="0"/>
-              <a:t>2020-04-03</a:t>
+              <a:t>2020-04-08</a:t>
             </a:fld>
             <a:endParaRPr lang="ko-KR" altLang="en-US"/>
           </a:p>
@@ -2855,7 +2855,7 @@
           <a:p>
             <a:fld id="{4980B581-256F-468E-AE28-AA7509665FD7}" type="datetimeFigureOut">
               <a:rPr lang="ko-KR" altLang="en-US" smtClean="0"/>
-              <a:t>2020-04-03</a:t>
+              <a:t>2020-04-08</a:t>
             </a:fld>
             <a:endParaRPr lang="ko-KR" altLang="en-US"/>
           </a:p>
@@ -3120,7 +3120,7 @@
           <a:p>
             <a:fld id="{4980B581-256F-468E-AE28-AA7509665FD7}" type="datetimeFigureOut">
               <a:rPr lang="ko-KR" altLang="en-US" smtClean="0"/>
-              <a:t>2020-04-03</a:t>
+              <a:t>2020-04-08</a:t>
             </a:fld>
             <a:endParaRPr lang="ko-KR" altLang="en-US"/>
           </a:p>
@@ -3532,7 +3532,7 @@
           <a:p>
             <a:fld id="{4980B581-256F-468E-AE28-AA7509665FD7}" type="datetimeFigureOut">
               <a:rPr lang="ko-KR" altLang="en-US" smtClean="0"/>
-              <a:t>2020-04-03</a:t>
+              <a:t>2020-04-08</a:t>
             </a:fld>
             <a:endParaRPr lang="ko-KR" altLang="en-US"/>
           </a:p>
@@ -3673,7 +3673,7 @@
           <a:p>
             <a:fld id="{4980B581-256F-468E-AE28-AA7509665FD7}" type="datetimeFigureOut">
               <a:rPr lang="ko-KR" altLang="en-US" smtClean="0"/>
-              <a:t>2020-04-03</a:t>
+              <a:t>2020-04-08</a:t>
             </a:fld>
             <a:endParaRPr lang="ko-KR" altLang="en-US"/>
           </a:p>
@@ -3786,7 +3786,7 @@
           <a:p>
             <a:fld id="{4980B581-256F-468E-AE28-AA7509665FD7}" type="datetimeFigureOut">
               <a:rPr lang="ko-KR" altLang="en-US" smtClean="0"/>
-              <a:t>2020-04-03</a:t>
+              <a:t>2020-04-08</a:t>
             </a:fld>
             <a:endParaRPr lang="ko-KR" altLang="en-US"/>
           </a:p>
@@ -4097,7 +4097,7 @@
           <a:p>
             <a:fld id="{4980B581-256F-468E-AE28-AA7509665FD7}" type="datetimeFigureOut">
               <a:rPr lang="ko-KR" altLang="en-US" smtClean="0"/>
-              <a:t>2020-04-03</a:t>
+              <a:t>2020-04-08</a:t>
             </a:fld>
             <a:endParaRPr lang="ko-KR" altLang="en-US"/>
           </a:p>
@@ -4385,7 +4385,7 @@
           <a:p>
             <a:fld id="{4980B581-256F-468E-AE28-AA7509665FD7}" type="datetimeFigureOut">
               <a:rPr lang="ko-KR" altLang="en-US" smtClean="0"/>
-              <a:t>2020-04-03</a:t>
+              <a:t>2020-04-08</a:t>
             </a:fld>
             <a:endParaRPr lang="ko-KR" altLang="en-US"/>
           </a:p>
@@ -4626,7 +4626,7 @@
           <a:p>
             <a:fld id="{4980B581-256F-468E-AE28-AA7509665FD7}" type="datetimeFigureOut">
               <a:rPr lang="ko-KR" altLang="en-US" smtClean="0"/>
-              <a:t>2020-04-03</a:t>
+              <a:t>2020-04-08</a:t>
             </a:fld>
             <a:endParaRPr lang="ko-KR" altLang="en-US"/>
           </a:p>
@@ -16590,6 +16590,11 @@
           </p:cNvGraphicFramePr>
           <p:nvPr>
             <p:ph idx="1"/>
+            <p:extLst>
+              <p:ext uri="{D42A27DB-BD31-4B8C-83A1-F6EECF244321}">
+                <p14:modId xmlns:p14="http://schemas.microsoft.com/office/powerpoint/2010/main" val="3065832312"/>
+              </p:ext>
+            </p:extLst>
           </p:nvPr>
         </p:nvGraphicFramePr>
         <p:xfrm>
@@ -17146,24 +17151,8 @@
                         <a:t>카메라 </a:t>
                       </a:r>
                       <a:r>
-                        <a:rPr lang="en-US" altLang="ko-KR" dirty="0"/>
-                        <a:t>ID, </a:t>
-                      </a:r>
-                      <a:r>
-                        <a:rPr lang="ko-KR" altLang="en-US" dirty="0"/>
-                        <a:t>찍은 날</a:t>
-                      </a:r>
-                      <a:r>
-                        <a:rPr lang="en-US" altLang="ko-KR" dirty="0"/>
-                        <a:t>, </a:t>
-                      </a:r>
-                      <a:r>
-                        <a:rPr lang="ko-KR" altLang="en-US" dirty="0"/>
-                        <a:t>찍은 시간</a:t>
-                      </a:r>
-                      <a:r>
-                        <a:rPr lang="en-US" altLang="ko-KR" dirty="0"/>
-                        <a:t>) </a:t>
+                        <a:rPr lang="en-US" altLang="ko-KR"/>
+                        <a:t>ID) </a:t>
                       </a:r>
                       <a:endParaRPr lang="ko-KR" altLang="en-US" dirty="0"/>
                     </a:p>
@@ -17373,6 +17362,14 @@
                       <a:r>
                         <a:rPr lang="ko-KR" altLang="en-US" u="sng" dirty="0" err="1"/>
                         <a:t>레시피명</a:t>
+                      </a:r>
+                      <a:r>
+                        <a:rPr lang="en-US" altLang="ko-KR" dirty="0"/>
+                        <a:t>, </a:t>
+                      </a:r>
+                      <a:r>
+                        <a:rPr lang="ko-KR" altLang="en-US" dirty="0"/>
+                        <a:t>사진</a:t>
                       </a:r>
                       <a:r>
                         <a:rPr lang="en-US" altLang="ko-KR" dirty="0"/>
@@ -17671,11 +17668,11 @@
                         <a:t>제외 레시피</a:t>
                       </a:r>
                       <a:r>
-                        <a:rPr lang="en-US" altLang="ko-KR"/>
+                        <a:rPr lang="en-US" altLang="ko-KR" dirty="0"/>
                         <a:t>(</a:t>
                       </a:r>
                       <a:r>
-                        <a:rPr lang="en-US" altLang="ko-KR" b="0" u="sng">
+                        <a:rPr lang="en-US" altLang="ko-KR" b="0" u="sng" dirty="0">
                           <a:solidFill>
                             <a:schemeClr val="tx1"/>
                           </a:solidFill>
@@ -17683,7 +17680,7 @@
                         <a:t>E-mail</a:t>
                       </a:r>
                       <a:r>
-                        <a:rPr lang="en-US" altLang="ko-KR" u="sng"/>
+                        <a:rPr lang="en-US" altLang="ko-KR" u="sng" dirty="0"/>
                         <a:t>, </a:t>
                       </a:r>
                       <a:r>

--- a/document/냉장고를 지켜줘 - 설계도 완성 최종.pptx
+++ b/document/냉장고를 지켜줘 - 설계도 완성 최종.pptx
@@ -218,7 +218,7 @@
           <a:p>
             <a:fld id="{D6325AFB-0FBC-4F05-BBB8-413515365240}" type="datetimeFigureOut">
               <a:rPr lang="ko-KR" altLang="en-US" smtClean="0"/>
-              <a:t>2020-04-08</a:t>
+              <a:t>2020-04-13</a:t>
             </a:fld>
             <a:endParaRPr lang="ko-KR" altLang="en-US"/>
           </a:p>
@@ -1976,7 +1976,7 @@
           <a:p>
             <a:fld id="{4980B581-256F-468E-AE28-AA7509665FD7}" type="datetimeFigureOut">
               <a:rPr lang="ko-KR" altLang="en-US" smtClean="0"/>
-              <a:t>2020-04-08</a:t>
+              <a:t>2020-04-13</a:t>
             </a:fld>
             <a:endParaRPr lang="ko-KR" altLang="en-US"/>
           </a:p>
@@ -2174,7 +2174,7 @@
           <a:p>
             <a:fld id="{4980B581-256F-468E-AE28-AA7509665FD7}" type="datetimeFigureOut">
               <a:rPr lang="ko-KR" altLang="en-US" smtClean="0"/>
-              <a:t>2020-04-08</a:t>
+              <a:t>2020-04-13</a:t>
             </a:fld>
             <a:endParaRPr lang="ko-KR" altLang="en-US"/>
           </a:p>
@@ -2382,7 +2382,7 @@
           <a:p>
             <a:fld id="{4980B581-256F-468E-AE28-AA7509665FD7}" type="datetimeFigureOut">
               <a:rPr lang="ko-KR" altLang="en-US" smtClean="0"/>
-              <a:t>2020-04-08</a:t>
+              <a:t>2020-04-13</a:t>
             </a:fld>
             <a:endParaRPr lang="ko-KR" altLang="en-US"/>
           </a:p>
@@ -2580,7 +2580,7 @@
           <a:p>
             <a:fld id="{4980B581-256F-468E-AE28-AA7509665FD7}" type="datetimeFigureOut">
               <a:rPr lang="ko-KR" altLang="en-US" smtClean="0"/>
-              <a:t>2020-04-08</a:t>
+              <a:t>2020-04-13</a:t>
             </a:fld>
             <a:endParaRPr lang="ko-KR" altLang="en-US"/>
           </a:p>
@@ -2855,7 +2855,7 @@
           <a:p>
             <a:fld id="{4980B581-256F-468E-AE28-AA7509665FD7}" type="datetimeFigureOut">
               <a:rPr lang="ko-KR" altLang="en-US" smtClean="0"/>
-              <a:t>2020-04-08</a:t>
+              <a:t>2020-04-13</a:t>
             </a:fld>
             <a:endParaRPr lang="ko-KR" altLang="en-US"/>
           </a:p>
@@ -3120,7 +3120,7 @@
           <a:p>
             <a:fld id="{4980B581-256F-468E-AE28-AA7509665FD7}" type="datetimeFigureOut">
               <a:rPr lang="ko-KR" altLang="en-US" smtClean="0"/>
-              <a:t>2020-04-08</a:t>
+              <a:t>2020-04-13</a:t>
             </a:fld>
             <a:endParaRPr lang="ko-KR" altLang="en-US"/>
           </a:p>
@@ -3532,7 +3532,7 @@
           <a:p>
             <a:fld id="{4980B581-256F-468E-AE28-AA7509665FD7}" type="datetimeFigureOut">
               <a:rPr lang="ko-KR" altLang="en-US" smtClean="0"/>
-              <a:t>2020-04-08</a:t>
+              <a:t>2020-04-13</a:t>
             </a:fld>
             <a:endParaRPr lang="ko-KR" altLang="en-US"/>
           </a:p>
@@ -3673,7 +3673,7 @@
           <a:p>
             <a:fld id="{4980B581-256F-468E-AE28-AA7509665FD7}" type="datetimeFigureOut">
               <a:rPr lang="ko-KR" altLang="en-US" smtClean="0"/>
-              <a:t>2020-04-08</a:t>
+              <a:t>2020-04-13</a:t>
             </a:fld>
             <a:endParaRPr lang="ko-KR" altLang="en-US"/>
           </a:p>
@@ -3786,7 +3786,7 @@
           <a:p>
             <a:fld id="{4980B581-256F-468E-AE28-AA7509665FD7}" type="datetimeFigureOut">
               <a:rPr lang="ko-KR" altLang="en-US" smtClean="0"/>
-              <a:t>2020-04-08</a:t>
+              <a:t>2020-04-13</a:t>
             </a:fld>
             <a:endParaRPr lang="ko-KR" altLang="en-US"/>
           </a:p>
@@ -4097,7 +4097,7 @@
           <a:p>
             <a:fld id="{4980B581-256F-468E-AE28-AA7509665FD7}" type="datetimeFigureOut">
               <a:rPr lang="ko-KR" altLang="en-US" smtClean="0"/>
-              <a:t>2020-04-08</a:t>
+              <a:t>2020-04-13</a:t>
             </a:fld>
             <a:endParaRPr lang="ko-KR" altLang="en-US"/>
           </a:p>
@@ -4385,7 +4385,7 @@
           <a:p>
             <a:fld id="{4980B581-256F-468E-AE28-AA7509665FD7}" type="datetimeFigureOut">
               <a:rPr lang="ko-KR" altLang="en-US" smtClean="0"/>
-              <a:t>2020-04-08</a:t>
+              <a:t>2020-04-13</a:t>
             </a:fld>
             <a:endParaRPr lang="ko-KR" altLang="en-US"/>
           </a:p>
@@ -4626,7 +4626,7 @@
           <a:p>
             <a:fld id="{4980B581-256F-468E-AE28-AA7509665FD7}" type="datetimeFigureOut">
               <a:rPr lang="ko-KR" altLang="en-US" smtClean="0"/>
-              <a:t>2020-04-08</a:t>
+              <a:t>2020-04-13</a:t>
             </a:fld>
             <a:endParaRPr lang="ko-KR" altLang="en-US"/>
           </a:p>
@@ -15102,7 +15102,7 @@
         </p:nvSpPr>
         <p:spPr>
           <a:xfrm>
-            <a:off x="5881699" y="5423221"/>
+            <a:off x="6330313" y="5270158"/>
             <a:ext cx="2077673" cy="923330"/>
           </a:xfrm>
           <a:prstGeom prst="rect">
@@ -16592,14 +16592,14 @@
             <p:ph idx="1"/>
             <p:extLst>
               <p:ext uri="{D42A27DB-BD31-4B8C-83A1-F6EECF244321}">
-                <p14:modId xmlns:p14="http://schemas.microsoft.com/office/powerpoint/2010/main" val="3065832312"/>
+                <p14:modId xmlns:p14="http://schemas.microsoft.com/office/powerpoint/2010/main" val="3605882653"/>
               </p:ext>
             </p:extLst>
           </p:nvPr>
         </p:nvGraphicFramePr>
         <p:xfrm>
-          <a:off x="682979" y="559619"/>
-          <a:ext cx="10995494" cy="4719320"/>
+          <a:off x="761637" y="323644"/>
+          <a:ext cx="10995494" cy="5090160"/>
         </p:xfrm>
         <a:graphic>
           <a:graphicData uri="http://schemas.openxmlformats.org/drawingml/2006/table">
@@ -17061,15 +17061,7 @@
                       </a:r>
                       <a:r>
                         <a:rPr lang="en-US" altLang="ko-KR" dirty="0"/>
-                        <a:t>ID, </a:t>
-                      </a:r>
-                      <a:r>
-                        <a:rPr lang="ko-KR" altLang="en-US" dirty="0"/>
-                        <a:t>연동할 서버</a:t>
-                      </a:r>
-                      <a:r>
-                        <a:rPr lang="en-US" altLang="ko-KR" dirty="0"/>
-                        <a:t>)</a:t>
+                        <a:t>ID)</a:t>
                       </a:r>
                       <a:endParaRPr lang="ko-KR" altLang="en-US" dirty="0"/>
                     </a:p>
@@ -17124,7 +17116,15 @@
                       </a:r>
                       <a:r>
                         <a:rPr lang="en-US" altLang="ko-KR" u="sng" dirty="0"/>
-                        <a:t>ID</a:t>
+                        <a:t>ID </a:t>
+                      </a:r>
+                      <a:r>
+                        <a:rPr lang="en-US" altLang="ko-KR" i="1" u="sng" dirty="0"/>
+                        <a:t>= </a:t>
+                      </a:r>
+                      <a:r>
+                        <a:rPr lang="ko-KR" altLang="en-US" i="1" u="sng" dirty="0"/>
+                        <a:t>사진이 찍힌 시간</a:t>
                       </a:r>
                       <a:r>
                         <a:rPr lang="en-US" altLang="ko-KR" dirty="0"/>
@@ -17151,7 +17151,7 @@
                         <a:t>카메라 </a:t>
                       </a:r>
                       <a:r>
-                        <a:rPr lang="en-US" altLang="ko-KR"/>
+                        <a:rPr lang="en-US" altLang="ko-KR" dirty="0"/>
                         <a:t>ID) </a:t>
                       </a:r>
                       <a:endParaRPr lang="ko-KR" altLang="en-US" dirty="0"/>
@@ -17298,7 +17298,98 @@
                       </a:r>
                       <a:r>
                         <a:rPr lang="ko-KR" altLang="en-US" dirty="0"/>
-                        <a:t>나간 날</a:t>
+                        <a:t>설정된 유통기한</a:t>
+                      </a:r>
+                      <a:r>
+                        <a:rPr lang="en-US" altLang="ko-KR" dirty="0"/>
+                        <a:t>, x1,</a:t>
+                      </a:r>
+                      <a:r>
+                        <a:rPr lang="ko-KR" altLang="en-US" dirty="0"/>
+                        <a:t> </a:t>
+                      </a:r>
+                      <a:r>
+                        <a:rPr lang="en-US" altLang="ko-KR" dirty="0"/>
+                        <a:t>x2,</a:t>
+                      </a:r>
+                      <a:r>
+                        <a:rPr lang="ko-KR" altLang="en-US" dirty="0"/>
+                        <a:t> </a:t>
+                      </a:r>
+                      <a:r>
+                        <a:rPr lang="en-US" altLang="ko-KR" dirty="0"/>
+                        <a:t>y1,</a:t>
+                      </a:r>
+                      <a:r>
+                        <a:rPr lang="ko-KR" altLang="en-US" dirty="0"/>
+                        <a:t> </a:t>
+                      </a:r>
+                      <a:r>
+                        <a:rPr lang="en-US" altLang="ko-KR" dirty="0"/>
+                        <a:t>y2)</a:t>
+                      </a:r>
+                      <a:endParaRPr lang="ko-KR" altLang="en-US" dirty="0"/>
+                    </a:p>
+                  </a:txBody>
+                  <a:tcPr>
+                    <a:lnL w="12700" cmpd="sng">
+                      <a:noFill/>
+                    </a:lnL>
+                    <a:lnR w="12700" cmpd="sng">
+                      <a:noFill/>
+                    </a:lnR>
+                    <a:lnT w="12700" cmpd="sng">
+                      <a:noFill/>
+                    </a:lnT>
+                    <a:lnB w="12700" cmpd="sng">
+                      <a:noFill/>
+                    </a:lnB>
+                    <a:lnTlToBr w="12700" cmpd="sng">
+                      <a:noFill/>
+                      <a:prstDash val="solid"/>
+                    </a:lnTlToBr>
+                    <a:lnBlToTr w="12700" cmpd="sng">
+                      <a:noFill/>
+                      <a:prstDash val="solid"/>
+                    </a:lnBlToTr>
+                  </a:tcPr>
+                </a:tc>
+                <a:extLst>
+                  <a:ext uri="{0D108BD9-81ED-4DB2-BD59-A6C34878D82A}">
+                    <a16:rowId xmlns:a16="http://schemas.microsoft.com/office/drawing/2014/main" val="2193079551"/>
+                  </a:ext>
+                </a:extLst>
+              </a:tr>
+              <a:tr h="370840">
+                <a:tc>
+                  <a:txBody>
+                    <a:bodyPr/>
+                    <a:lstStyle/>
+                    <a:p>
+                      <a:pPr latinLnBrk="1"/>
+                      <a:r>
+                        <a:rPr lang="ko-KR" altLang="en-US" dirty="0"/>
+                        <a:t>먹은 식품</a:t>
+                      </a:r>
+                      <a:r>
+                        <a:rPr lang="en-US" altLang="ko-KR" dirty="0"/>
+                        <a:t>(</a:t>
+                      </a:r>
+                      <a:r>
+                        <a:rPr lang="ko-KR" altLang="en-US" dirty="0"/>
+                        <a:t>먹은 시간</a:t>
+                      </a:r>
+                      <a:r>
+                        <a:rPr lang="en-US" altLang="ko-KR" i="1" dirty="0"/>
+                        <a:t>= </a:t>
+                      </a:r>
+                      <a:r>
+                        <a:rPr lang="ko-KR" altLang="en-US" i="1" dirty="0"/>
+                        <a:t>식품이 없어진 사진 </a:t>
+                      </a:r>
+                      <a:r>
+                        <a:rPr lang="en-US" altLang="ko-KR" i="1" dirty="0"/>
+                        <a:t>ID</a:t>
                       </a:r>
                       <a:r>
                         <a:rPr lang="en-US" altLang="ko-KR" dirty="0"/>
@@ -17306,7 +17397,7 @@
                       </a:r>
                       <a:r>
                         <a:rPr lang="ko-KR" altLang="en-US" dirty="0"/>
-                        <a:t>설정된 유통기한</a:t>
+                        <a:t>식품명</a:t>
                       </a:r>
                       <a:r>
                         <a:rPr lang="en-US" altLang="ko-KR" dirty="0"/>
@@ -17340,7 +17431,7 @@
                 </a:tc>
                 <a:extLst>
                   <a:ext uri="{0D108BD9-81ED-4DB2-BD59-A6C34878D82A}">
-                    <a16:rowId xmlns:a16="http://schemas.microsoft.com/office/drawing/2014/main" val="2193079551"/>
+                    <a16:rowId xmlns:a16="http://schemas.microsoft.com/office/drawing/2014/main" val="1893238398"/>
                   </a:ext>
                 </a:extLst>
               </a:tr>
@@ -17475,12 +17566,20 @@
                         <a:t>레시피명</a:t>
                       </a:r>
                       <a:r>
-                        <a:rPr lang="en-US" altLang="ko-KR" u="sng" dirty="0"/>
+                        <a:rPr lang="en-US" altLang="ko-KR" u="none" dirty="0"/>
                         <a:t>, </a:t>
                       </a:r>
                       <a:r>
-                        <a:rPr lang="ko-KR" altLang="en-US" u="sng" dirty="0"/>
+                        <a:rPr lang="ko-KR" altLang="en-US" u="none" dirty="0"/>
                         <a:t>식품명</a:t>
+                      </a:r>
+                      <a:r>
+                        <a:rPr lang="en-US" altLang="ko-KR" u="none" dirty="0"/>
+                        <a:t>, </a:t>
+                      </a:r>
+                      <a:r>
+                        <a:rPr lang="ko-KR" altLang="en-US" u="none" dirty="0"/>
+                        <a:t>계량</a:t>
                       </a:r>
                       <a:r>
                         <a:rPr lang="en-US" altLang="ko-KR" dirty="0"/>
@@ -17740,7 +17839,7 @@
         </p:nvSpPr>
         <p:spPr>
           <a:xfrm>
-            <a:off x="2821132" y="5426839"/>
+            <a:off x="2821132" y="5475999"/>
             <a:ext cx="4100777" cy="1200329"/>
           </a:xfrm>
           <a:prstGeom prst="rect">
@@ -17810,7 +17909,7 @@
         </p:nvSpPr>
         <p:spPr>
           <a:xfrm>
-            <a:off x="5717457" y="5426839"/>
+            <a:off x="5717457" y="5475999"/>
             <a:ext cx="2408903" cy="1200329"/>
           </a:xfrm>
           <a:prstGeom prst="rect">
@@ -17895,7 +17994,7 @@
         </p:nvSpPr>
         <p:spPr>
           <a:xfrm>
-            <a:off x="1691514" y="5426839"/>
+            <a:off x="1691514" y="5475999"/>
             <a:ext cx="1022555" cy="369332"/>
           </a:xfrm>
           <a:prstGeom prst="rect">
@@ -17916,6 +18015,45 @@
                 </a:solidFill>
               </a:rPr>
               <a:t>영양소</a:t>
+            </a:r>
+          </a:p>
+        </p:txBody>
+      </p:sp>
+      <p:sp>
+        <p:nvSpPr>
+          <p:cNvPr id="3" name="TextBox 2">
+            <a:extLst>
+              <a:ext uri="{FF2B5EF4-FFF2-40B4-BE49-F238E27FC236}">
+                <a16:creationId xmlns:a16="http://schemas.microsoft.com/office/drawing/2014/main" id="{32D12CF3-4F38-4A42-8ADF-6097FD78772E}"/>
+              </a:ext>
+            </a:extLst>
+          </p:cNvPr>
+          <p:cNvSpPr txBox="1"/>
+          <p:nvPr/>
+        </p:nvSpPr>
+        <p:spPr>
+          <a:xfrm>
+            <a:off x="9035845" y="5614218"/>
+            <a:ext cx="2192594" cy="646331"/>
+          </a:xfrm>
+          <a:prstGeom prst="rect">
+            <a:avLst/>
+          </a:prstGeom>
+          <a:noFill/>
+        </p:spPr>
+        <p:txBody>
+          <a:bodyPr wrap="square" rtlCol="0">
+            <a:spAutoFit/>
+          </a:bodyPr>
+          <a:lstStyle/>
+          <a:p>
+            <a:r>
+              <a:rPr lang="ko-KR" altLang="en-US" dirty="0"/>
+              <a:t>이미지 전송 임시 테이블</a:t>
+            </a:r>
+            <a:r>
+              <a:rPr lang="en-US" altLang="ko-KR" dirty="0"/>
+              <a:t>(num, data)</a:t>
             </a:r>
           </a:p>
         </p:txBody>

--- a/document/냉장고를 지켜줘 - 설계도 완성 최종.pptx
+++ b/document/냉장고를 지켜줘 - 설계도 완성 최종.pptx
@@ -218,7 +218,7 @@
           <a:p>
             <a:fld id="{D6325AFB-0FBC-4F05-BBB8-413515365240}" type="datetimeFigureOut">
               <a:rPr lang="ko-KR" altLang="en-US" smtClean="0"/>
-              <a:t>2020-04-13</a:t>
+              <a:t>2020-04-24</a:t>
             </a:fld>
             <a:endParaRPr lang="ko-KR" altLang="en-US"/>
           </a:p>
@@ -1976,7 +1976,7 @@
           <a:p>
             <a:fld id="{4980B581-256F-468E-AE28-AA7509665FD7}" type="datetimeFigureOut">
               <a:rPr lang="ko-KR" altLang="en-US" smtClean="0"/>
-              <a:t>2020-04-13</a:t>
+              <a:t>2020-04-24</a:t>
             </a:fld>
             <a:endParaRPr lang="ko-KR" altLang="en-US"/>
           </a:p>
@@ -2174,7 +2174,7 @@
           <a:p>
             <a:fld id="{4980B581-256F-468E-AE28-AA7509665FD7}" type="datetimeFigureOut">
               <a:rPr lang="ko-KR" altLang="en-US" smtClean="0"/>
-              <a:t>2020-04-13</a:t>
+              <a:t>2020-04-24</a:t>
             </a:fld>
             <a:endParaRPr lang="ko-KR" altLang="en-US"/>
           </a:p>
@@ -2382,7 +2382,7 @@
           <a:p>
             <a:fld id="{4980B581-256F-468E-AE28-AA7509665FD7}" type="datetimeFigureOut">
               <a:rPr lang="ko-KR" altLang="en-US" smtClean="0"/>
-              <a:t>2020-04-13</a:t>
+              <a:t>2020-04-24</a:t>
             </a:fld>
             <a:endParaRPr lang="ko-KR" altLang="en-US"/>
           </a:p>
@@ -2580,7 +2580,7 @@
           <a:p>
             <a:fld id="{4980B581-256F-468E-AE28-AA7509665FD7}" type="datetimeFigureOut">
               <a:rPr lang="ko-KR" altLang="en-US" smtClean="0"/>
-              <a:t>2020-04-13</a:t>
+              <a:t>2020-04-24</a:t>
             </a:fld>
             <a:endParaRPr lang="ko-KR" altLang="en-US"/>
           </a:p>
@@ -2855,7 +2855,7 @@
           <a:p>
             <a:fld id="{4980B581-256F-468E-AE28-AA7509665FD7}" type="datetimeFigureOut">
               <a:rPr lang="ko-KR" altLang="en-US" smtClean="0"/>
-              <a:t>2020-04-13</a:t>
+              <a:t>2020-04-24</a:t>
             </a:fld>
             <a:endParaRPr lang="ko-KR" altLang="en-US"/>
           </a:p>
@@ -3120,7 +3120,7 @@
           <a:p>
             <a:fld id="{4980B581-256F-468E-AE28-AA7509665FD7}" type="datetimeFigureOut">
               <a:rPr lang="ko-KR" altLang="en-US" smtClean="0"/>
-              <a:t>2020-04-13</a:t>
+              <a:t>2020-04-24</a:t>
             </a:fld>
             <a:endParaRPr lang="ko-KR" altLang="en-US"/>
           </a:p>
@@ -3532,7 +3532,7 @@
           <a:p>
             <a:fld id="{4980B581-256F-468E-AE28-AA7509665FD7}" type="datetimeFigureOut">
               <a:rPr lang="ko-KR" altLang="en-US" smtClean="0"/>
-              <a:t>2020-04-13</a:t>
+              <a:t>2020-04-24</a:t>
             </a:fld>
             <a:endParaRPr lang="ko-KR" altLang="en-US"/>
           </a:p>
@@ -3673,7 +3673,7 @@
           <a:p>
             <a:fld id="{4980B581-256F-468E-AE28-AA7509665FD7}" type="datetimeFigureOut">
               <a:rPr lang="ko-KR" altLang="en-US" smtClean="0"/>
-              <a:t>2020-04-13</a:t>
+              <a:t>2020-04-24</a:t>
             </a:fld>
             <a:endParaRPr lang="ko-KR" altLang="en-US"/>
           </a:p>
@@ -3786,7 +3786,7 @@
           <a:p>
             <a:fld id="{4980B581-256F-468E-AE28-AA7509665FD7}" type="datetimeFigureOut">
               <a:rPr lang="ko-KR" altLang="en-US" smtClean="0"/>
-              <a:t>2020-04-13</a:t>
+              <a:t>2020-04-24</a:t>
             </a:fld>
             <a:endParaRPr lang="ko-KR" altLang="en-US"/>
           </a:p>
@@ -4097,7 +4097,7 @@
           <a:p>
             <a:fld id="{4980B581-256F-468E-AE28-AA7509665FD7}" type="datetimeFigureOut">
               <a:rPr lang="ko-KR" altLang="en-US" smtClean="0"/>
-              <a:t>2020-04-13</a:t>
+              <a:t>2020-04-24</a:t>
             </a:fld>
             <a:endParaRPr lang="ko-KR" altLang="en-US"/>
           </a:p>
@@ -4385,7 +4385,7 @@
           <a:p>
             <a:fld id="{4980B581-256F-468E-AE28-AA7509665FD7}" type="datetimeFigureOut">
               <a:rPr lang="ko-KR" altLang="en-US" smtClean="0"/>
-              <a:t>2020-04-13</a:t>
+              <a:t>2020-04-24</a:t>
             </a:fld>
             <a:endParaRPr lang="ko-KR" altLang="en-US"/>
           </a:p>
@@ -4626,7 +4626,7 @@
           <a:p>
             <a:fld id="{4980B581-256F-468E-AE28-AA7509665FD7}" type="datetimeFigureOut">
               <a:rPr lang="ko-KR" altLang="en-US" smtClean="0"/>
-              <a:t>2020-04-13</a:t>
+              <a:t>2020-04-24</a:t>
             </a:fld>
             <a:endParaRPr lang="ko-KR" altLang="en-US"/>
           </a:p>
@@ -22825,7 +22825,7 @@
         </p:nvSpPr>
         <p:spPr>
           <a:xfrm>
-            <a:off x="4436818" y="4738329"/>
+            <a:off x="4456482" y="4816986"/>
             <a:ext cx="2413358" cy="369332"/>
           </a:xfrm>
           <a:prstGeom prst="rect">
@@ -22861,7 +22861,7 @@
         </p:nvSpPr>
         <p:spPr>
           <a:xfrm>
-            <a:off x="4436818" y="5034845"/>
+            <a:off x="4456482" y="5113502"/>
             <a:ext cx="2496616" cy="738664"/>
           </a:xfrm>
           <a:prstGeom prst="rect">
@@ -22938,7 +22938,7 @@
         </p:blipFill>
         <p:spPr bwMode="auto">
           <a:xfrm>
-            <a:off x="6581684" y="4922080"/>
+            <a:off x="6601348" y="5000737"/>
             <a:ext cx="924232" cy="825910"/>
           </a:xfrm>
           <a:prstGeom prst="rect">
@@ -23062,7 +23062,8 @@
             <a:solidFill>
               <a:srgbClr val="7030A0"/>
             </a:solidFill>
-            <a:tailEnd type="triangle"/>
+            <a:headEnd type="triangle" w="med" len="med"/>
+            <a:tailEnd type="triangle" w="med" len="med"/>
           </a:ln>
         </p:spPr>
         <p:style>
@@ -23468,7 +23469,7 @@
         <p:spPr>
           <a:xfrm>
             <a:off x="4455976" y="4809901"/>
-            <a:ext cx="3158591" cy="1285553"/>
+            <a:ext cx="7205076" cy="1285553"/>
           </a:xfrm>
           <a:prstGeom prst="rect">
             <a:avLst/>
@@ -23497,7 +23498,7 @@
           <a:lstStyle/>
           <a:p>
             <a:pPr algn="ctr"/>
-            <a:endParaRPr lang="ko-KR" altLang="en-US"/>
+            <a:endParaRPr lang="ko-KR" altLang="en-US" dirty="0"/>
           </a:p>
         </p:txBody>
       </p:sp>
@@ -23511,6 +23512,7 @@
             </a:extLst>
           </p:cNvPr>
           <p:cNvCxnSpPr>
+            <a:cxnSpLocks/>
             <a:stCxn id="30" idx="2"/>
             <a:endCxn id="47" idx="1"/>
           </p:cNvCxnSpPr>
@@ -23522,6 +23524,231 @@
             <a:ext cx="1448985" cy="2505494"/>
           </a:xfrm>
           <a:prstGeom prst="bentConnector2">
+            <a:avLst/>
+          </a:prstGeom>
+          <a:ln w="38100">
+            <a:solidFill>
+              <a:srgbClr val="7030A0"/>
+            </a:solidFill>
+            <a:headEnd type="triangle" w="med" len="med"/>
+            <a:tailEnd type="triangle" w="med" len="med"/>
+          </a:ln>
+        </p:spPr>
+        <p:style>
+          <a:lnRef idx="1">
+            <a:schemeClr val="accent1"/>
+          </a:lnRef>
+          <a:fillRef idx="0">
+            <a:schemeClr val="accent1"/>
+          </a:fillRef>
+          <a:effectRef idx="0">
+            <a:schemeClr val="accent1"/>
+          </a:effectRef>
+          <a:fontRef idx="minor">
+            <a:schemeClr val="tx1"/>
+          </a:fontRef>
+        </p:style>
+      </p:cxnSp>
+      <p:sp>
+        <p:nvSpPr>
+          <p:cNvPr id="34" name="TextBox 33">
+            <a:extLst>
+              <a:ext uri="{FF2B5EF4-FFF2-40B4-BE49-F238E27FC236}">
+                <a16:creationId xmlns:a16="http://schemas.microsoft.com/office/drawing/2014/main" id="{5E3BD78B-7EEB-476A-856B-AF0114757757}"/>
+              </a:ext>
+            </a:extLst>
+          </p:cNvPr>
+          <p:cNvSpPr txBox="1"/>
+          <p:nvPr/>
+        </p:nvSpPr>
+        <p:spPr>
+          <a:xfrm>
+            <a:off x="3828954" y="4440569"/>
+            <a:ext cx="2187163" cy="369332"/>
+          </a:xfrm>
+          <a:prstGeom prst="rect">
+            <a:avLst/>
+          </a:prstGeom>
+          <a:noFill/>
+        </p:spPr>
+        <p:txBody>
+          <a:bodyPr wrap="square" rtlCol="0">
+            <a:spAutoFit/>
+          </a:bodyPr>
+          <a:lstStyle/>
+          <a:p>
+            <a:r>
+              <a:rPr lang="en-US" altLang="ko-KR" dirty="0"/>
+              <a:t>Server Computer</a:t>
+            </a:r>
+            <a:endParaRPr lang="ko-KR" altLang="en-US" dirty="0"/>
+          </a:p>
+        </p:txBody>
+      </p:sp>
+      <p:sp>
+        <p:nvSpPr>
+          <p:cNvPr id="36" name="TextBox 35">
+            <a:extLst>
+              <a:ext uri="{FF2B5EF4-FFF2-40B4-BE49-F238E27FC236}">
+                <a16:creationId xmlns:a16="http://schemas.microsoft.com/office/drawing/2014/main" id="{A6259EC3-E9F6-4A3E-BBDB-211DC39D7F33}"/>
+              </a:ext>
+            </a:extLst>
+          </p:cNvPr>
+          <p:cNvSpPr txBox="1"/>
+          <p:nvPr/>
+        </p:nvSpPr>
+        <p:spPr>
+          <a:xfrm>
+            <a:off x="1950479" y="5054509"/>
+            <a:ext cx="2187163" cy="369332"/>
+          </a:xfrm>
+          <a:prstGeom prst="rect">
+            <a:avLst/>
+          </a:prstGeom>
+          <a:noFill/>
+        </p:spPr>
+        <p:txBody>
+          <a:bodyPr wrap="square" rtlCol="0">
+            <a:spAutoFit/>
+          </a:bodyPr>
+          <a:lstStyle/>
+          <a:p>
+            <a:r>
+              <a:rPr lang="en-US" altLang="ko-KR" dirty="0"/>
+              <a:t>Socket </a:t>
+            </a:r>
+            <a:r>
+              <a:rPr lang="ko-KR" altLang="en-US" dirty="0"/>
+              <a:t>신호</a:t>
+            </a:r>
+          </a:p>
+        </p:txBody>
+      </p:sp>
+      <p:sp>
+        <p:nvSpPr>
+          <p:cNvPr id="39" name="TextBox 38">
+            <a:extLst>
+              <a:ext uri="{FF2B5EF4-FFF2-40B4-BE49-F238E27FC236}">
+                <a16:creationId xmlns:a16="http://schemas.microsoft.com/office/drawing/2014/main" id="{F25B51BA-5D63-4BF6-BF61-CA10505C566E}"/>
+              </a:ext>
+            </a:extLst>
+          </p:cNvPr>
+          <p:cNvSpPr txBox="1"/>
+          <p:nvPr/>
+        </p:nvSpPr>
+        <p:spPr>
+          <a:xfrm>
+            <a:off x="7916128" y="4816986"/>
+            <a:ext cx="3662003" cy="369332"/>
+          </a:xfrm>
+          <a:prstGeom prst="rect">
+            <a:avLst/>
+          </a:prstGeom>
+          <a:noFill/>
+        </p:spPr>
+        <p:txBody>
+          <a:bodyPr wrap="square" rtlCol="0">
+            <a:spAutoFit/>
+          </a:bodyPr>
+          <a:lstStyle/>
+          <a:p>
+            <a:r>
+              <a:rPr lang="en-US" altLang="ko-KR" dirty="0"/>
+              <a:t>Recipe Recommend Mail</a:t>
+            </a:r>
+            <a:endParaRPr lang="ko-KR" altLang="en-US" dirty="0"/>
+          </a:p>
+        </p:txBody>
+      </p:sp>
+      <p:sp>
+        <p:nvSpPr>
+          <p:cNvPr id="40" name="TextBox 39">
+            <a:extLst>
+              <a:ext uri="{FF2B5EF4-FFF2-40B4-BE49-F238E27FC236}">
+                <a16:creationId xmlns:a16="http://schemas.microsoft.com/office/drawing/2014/main" id="{33791056-72CC-4109-A0CE-454264DC1D47}"/>
+              </a:ext>
+            </a:extLst>
+          </p:cNvPr>
+          <p:cNvSpPr txBox="1"/>
+          <p:nvPr/>
+        </p:nvSpPr>
+        <p:spPr>
+          <a:xfrm>
+            <a:off x="7916129" y="5113502"/>
+            <a:ext cx="2496616" cy="738664"/>
+          </a:xfrm>
+          <a:prstGeom prst="rect">
+            <a:avLst/>
+          </a:prstGeom>
+          <a:noFill/>
+        </p:spPr>
+        <p:txBody>
+          <a:bodyPr wrap="square" rtlCol="0">
+            <a:spAutoFit/>
+          </a:bodyPr>
+          <a:lstStyle/>
+          <a:p>
+            <a:r>
+              <a:rPr lang="ko-KR" altLang="en-US" sz="1400" dirty="0"/>
+              <a:t>사용언어</a:t>
+            </a:r>
+            <a:r>
+              <a:rPr lang="en-US" altLang="ko-KR" sz="1400" dirty="0"/>
+              <a:t>: Python</a:t>
+            </a:r>
+          </a:p>
+          <a:p>
+            <a:r>
+              <a:rPr lang="ko-KR" altLang="en-US" sz="1400" dirty="0"/>
+              <a:t>라이브러리</a:t>
+            </a:r>
+            <a:r>
+              <a:rPr lang="en-US" altLang="ko-KR" sz="1400" dirty="0"/>
+              <a:t>: </a:t>
+            </a:r>
+            <a:r>
+              <a:rPr lang="en-US" altLang="ko-KR" sz="1400" dirty="0" err="1"/>
+              <a:t>Pytorch</a:t>
+            </a:r>
+            <a:r>
+              <a:rPr lang="en-US" altLang="ko-KR" sz="1400" dirty="0"/>
+              <a:t>,</a:t>
+            </a:r>
+          </a:p>
+          <a:p>
+            <a:r>
+              <a:rPr lang="en-US" altLang="ko-KR" sz="1400" dirty="0"/>
+              <a:t>                </a:t>
+            </a:r>
+            <a:r>
+              <a:rPr lang="en-US" altLang="ko-KR" sz="1400" dirty="0" err="1"/>
+              <a:t>Stmp</a:t>
+            </a:r>
+            <a:endParaRPr lang="ko-KR" altLang="en-US" sz="1400" dirty="0"/>
+          </a:p>
+        </p:txBody>
+      </p:sp>
+      <p:cxnSp>
+        <p:nvCxnSpPr>
+          <p:cNvPr id="46" name="직선 화살표 연결선 45">
+            <a:extLst>
+              <a:ext uri="{FF2B5EF4-FFF2-40B4-BE49-F238E27FC236}">
+                <a16:creationId xmlns:a16="http://schemas.microsoft.com/office/drawing/2014/main" id="{4EF12B8B-29F6-49EF-A5FE-F8497A77A402}"/>
+              </a:ext>
+            </a:extLst>
+          </p:cNvPr>
+          <p:cNvCxnSpPr>
+            <a:cxnSpLocks/>
+            <a:endCxn id="35" idx="2"/>
+          </p:cNvCxnSpPr>
+          <p:nvPr/>
+        </p:nvCxnSpPr>
+        <p:spPr>
+          <a:xfrm flipV="1">
+            <a:off x="10081757" y="2705407"/>
+            <a:ext cx="0" cy="2104494"/>
+          </a:xfrm>
+          <a:prstGeom prst="straightConnector1">
             <a:avLst/>
           </a:prstGeom>
           <a:ln w="38100">
@@ -23546,12 +23773,59 @@
           </a:fontRef>
         </p:style>
       </p:cxnSp>
+      <p:pic>
+        <p:nvPicPr>
+          <p:cNvPr id="16" name="Picture 4" descr="Books, education, food, ingredient, ingredients, recipe, recipes icon">
+            <a:extLst>
+              <a:ext uri="{FF2B5EF4-FFF2-40B4-BE49-F238E27FC236}">
+                <a16:creationId xmlns:a16="http://schemas.microsoft.com/office/drawing/2014/main" id="{5EA79FD7-12E1-4FD0-ABF1-81DFA6ECF176}"/>
+              </a:ext>
+            </a:extLst>
+          </p:cNvPr>
+          <p:cNvPicPr>
+            <a:picLocks noChangeAspect="1" noChangeArrowheads="1"/>
+          </p:cNvPicPr>
+          <p:nvPr/>
+        </p:nvPicPr>
+        <p:blipFill>
+          <a:blip r:embed="rId8">
+            <a:extLst>
+              <a:ext uri="{28A0092B-C50C-407E-A947-70E740481C1C}">
+                <a14:useLocalDpi xmlns:a14="http://schemas.microsoft.com/office/drawing/2010/main" val="0"/>
+              </a:ext>
+            </a:extLst>
+          </a:blip>
+          <a:srcRect/>
+          <a:stretch>
+            <a:fillRect/>
+          </a:stretch>
+        </p:blipFill>
+        <p:spPr bwMode="auto">
+          <a:xfrm>
+            <a:off x="10697497" y="4923811"/>
+            <a:ext cx="922093" cy="922093"/>
+          </a:xfrm>
+          <a:prstGeom prst="rect">
+            <a:avLst/>
+          </a:prstGeom>
+          <a:noFill/>
+          <a:extLst>
+            <a:ext uri="{909E8E84-426E-40DD-AFC4-6F175D3DCCD1}">
+              <a14:hiddenFill xmlns:a14="http://schemas.microsoft.com/office/drawing/2010/main">
+                <a:solidFill>
+                  <a:srgbClr val="FFFFFF"/>
+                </a:solidFill>
+              </a14:hiddenFill>
+            </a:ext>
+          </a:extLst>
+        </p:spPr>
+      </p:pic>
       <p:sp>
         <p:nvSpPr>
-          <p:cNvPr id="34" name="TextBox 33">
-            <a:extLst>
-              <a:ext uri="{FF2B5EF4-FFF2-40B4-BE49-F238E27FC236}">
-                <a16:creationId xmlns:a16="http://schemas.microsoft.com/office/drawing/2014/main" id="{5E3BD78B-7EEB-476A-856B-AF0114757757}"/>
+          <p:cNvPr id="51" name="TextBox 50">
+            <a:extLst>
+              <a:ext uri="{FF2B5EF4-FFF2-40B4-BE49-F238E27FC236}">
+                <a16:creationId xmlns:a16="http://schemas.microsoft.com/office/drawing/2014/main" id="{0086A014-CD3A-4484-B546-19ECC3055294}"/>
               </a:ext>
             </a:extLst>
           </p:cNvPr>
@@ -23560,7 +23834,7 @@
         </p:nvSpPr>
         <p:spPr>
           <a:xfrm>
-            <a:off x="4417668" y="4440569"/>
+            <a:off x="10114197" y="3677983"/>
             <a:ext cx="2187163" cy="369332"/>
           </a:xfrm>
           <a:prstGeom prst="rect">
@@ -23575,48 +23849,8 @@
           <a:lstStyle/>
           <a:p>
             <a:r>
-              <a:rPr lang="en-US" altLang="ko-KR" dirty="0"/>
-              <a:t>server</a:t>
-            </a:r>
-            <a:endParaRPr lang="ko-KR" altLang="en-US" dirty="0"/>
-          </a:p>
-        </p:txBody>
-      </p:sp>
-      <p:sp>
-        <p:nvSpPr>
-          <p:cNvPr id="36" name="TextBox 35">
-            <a:extLst>
-              <a:ext uri="{FF2B5EF4-FFF2-40B4-BE49-F238E27FC236}">
-                <a16:creationId xmlns:a16="http://schemas.microsoft.com/office/drawing/2014/main" id="{A6259EC3-E9F6-4A3E-BBDB-211DC39D7F33}"/>
-              </a:ext>
-            </a:extLst>
-          </p:cNvPr>
-          <p:cNvSpPr txBox="1"/>
-          <p:nvPr/>
-        </p:nvSpPr>
-        <p:spPr>
-          <a:xfrm>
-            <a:off x="1950479" y="5054509"/>
-            <a:ext cx="2187163" cy="369332"/>
-          </a:xfrm>
-          <a:prstGeom prst="rect">
-            <a:avLst/>
-          </a:prstGeom>
-          <a:noFill/>
-        </p:spPr>
-        <p:txBody>
-          <a:bodyPr wrap="square" rtlCol="0">
-            <a:spAutoFit/>
-          </a:bodyPr>
-          <a:lstStyle/>
-          <a:p>
-            <a:r>
-              <a:rPr lang="en-US" altLang="ko-KR" dirty="0"/>
-              <a:t>Socket </a:t>
-            </a:r>
-            <a:r>
               <a:rPr lang="ko-KR" altLang="en-US" dirty="0"/>
-              <a:t>신호</a:t>
+              <a:t>메일 전송</a:t>
             </a:r>
           </a:p>
         </p:txBody>
